--- a/Joystick 0 Control Diagram.pptx
+++ b/Joystick 0 Control Diagram.pptx
@@ -8,6 +8,7 @@
     <p:sldId id="256" r:id="rId2"/>
     <p:sldId id="257" r:id="rId3"/>
     <p:sldId id="258" r:id="rId4"/>
+    <p:sldId id="259" r:id="rId5"/>
   </p:sldIdLst>
   <p:sldSz cx="12192000" cy="6858000"/>
   <p:notesSz cx="6858000" cy="9144000"/>
@@ -601,7 +602,7 @@
           <a:p>
             <a:fld id="{105FB453-6675-426A-9EE6-7AC4EF304021}" type="datetimeFigureOut">
               <a:rPr lang="en-US" smtClean="0"/>
-              <a:t>6/28/2019</a:t>
+              <a:t>3/1/2020</a:t>
             </a:fld>
             <a:endParaRPr lang="en-US"/>
           </a:p>
@@ -769,7 +770,7 @@
           <a:p>
             <a:fld id="{105FB453-6675-426A-9EE6-7AC4EF304021}" type="datetimeFigureOut">
               <a:rPr lang="en-US" smtClean="0"/>
-              <a:t>6/28/2019</a:t>
+              <a:t>3/1/2020</a:t>
             </a:fld>
             <a:endParaRPr lang="en-US"/>
           </a:p>
@@ -947,7 +948,7 @@
           <a:p>
             <a:fld id="{105FB453-6675-426A-9EE6-7AC4EF304021}" type="datetimeFigureOut">
               <a:rPr lang="en-US" smtClean="0"/>
-              <a:t>6/28/2019</a:t>
+              <a:t>3/1/2020</a:t>
             </a:fld>
             <a:endParaRPr lang="en-US"/>
           </a:p>
@@ -1115,7 +1116,7 @@
           <a:p>
             <a:fld id="{105FB453-6675-426A-9EE6-7AC4EF304021}" type="datetimeFigureOut">
               <a:rPr lang="en-US" smtClean="0"/>
-              <a:t>6/28/2019</a:t>
+              <a:t>3/1/2020</a:t>
             </a:fld>
             <a:endParaRPr lang="en-US"/>
           </a:p>
@@ -1360,7 +1361,7 @@
           <a:p>
             <a:fld id="{105FB453-6675-426A-9EE6-7AC4EF304021}" type="datetimeFigureOut">
               <a:rPr lang="en-US" smtClean="0"/>
-              <a:t>6/28/2019</a:t>
+              <a:t>3/1/2020</a:t>
             </a:fld>
             <a:endParaRPr lang="en-US"/>
           </a:p>
@@ -1589,7 +1590,7 @@
           <a:p>
             <a:fld id="{105FB453-6675-426A-9EE6-7AC4EF304021}" type="datetimeFigureOut">
               <a:rPr lang="en-US" smtClean="0"/>
-              <a:t>6/28/2019</a:t>
+              <a:t>3/1/2020</a:t>
             </a:fld>
             <a:endParaRPr lang="en-US"/>
           </a:p>
@@ -1953,7 +1954,7 @@
           <a:p>
             <a:fld id="{105FB453-6675-426A-9EE6-7AC4EF304021}" type="datetimeFigureOut">
               <a:rPr lang="en-US" smtClean="0"/>
-              <a:t>6/28/2019</a:t>
+              <a:t>3/1/2020</a:t>
             </a:fld>
             <a:endParaRPr lang="en-US"/>
           </a:p>
@@ -2070,7 +2071,7 @@
           <a:p>
             <a:fld id="{105FB453-6675-426A-9EE6-7AC4EF304021}" type="datetimeFigureOut">
               <a:rPr lang="en-US" smtClean="0"/>
-              <a:t>6/28/2019</a:t>
+              <a:t>3/1/2020</a:t>
             </a:fld>
             <a:endParaRPr lang="en-US"/>
           </a:p>
@@ -2165,7 +2166,7 @@
           <a:p>
             <a:fld id="{105FB453-6675-426A-9EE6-7AC4EF304021}" type="datetimeFigureOut">
               <a:rPr lang="en-US" smtClean="0"/>
-              <a:t>6/28/2019</a:t>
+              <a:t>3/1/2020</a:t>
             </a:fld>
             <a:endParaRPr lang="en-US"/>
           </a:p>
@@ -2440,7 +2441,7 @@
           <a:p>
             <a:fld id="{105FB453-6675-426A-9EE6-7AC4EF304021}" type="datetimeFigureOut">
               <a:rPr lang="en-US" smtClean="0"/>
-              <a:t>6/28/2019</a:t>
+              <a:t>3/1/2020</a:t>
             </a:fld>
             <a:endParaRPr lang="en-US"/>
           </a:p>
@@ -2692,7 +2693,7 @@
           <a:p>
             <a:fld id="{105FB453-6675-426A-9EE6-7AC4EF304021}" type="datetimeFigureOut">
               <a:rPr lang="en-US" smtClean="0"/>
-              <a:t>6/28/2019</a:t>
+              <a:t>3/1/2020</a:t>
             </a:fld>
             <a:endParaRPr lang="en-US"/>
           </a:p>
@@ -2903,7 +2904,7 @@
           <a:p>
             <a:fld id="{105FB453-6675-426A-9EE6-7AC4EF304021}" type="datetimeFigureOut">
               <a:rPr lang="en-US" smtClean="0"/>
-              <a:t>6/28/2019</a:t>
+              <a:t>3/1/2020</a:t>
             </a:fld>
             <a:endParaRPr lang="en-US"/>
           </a:p>
@@ -3345,8 +3346,8 @@
         </p:nvSpPr>
         <p:spPr>
           <a:xfrm>
-            <a:off x="110723" y="2442751"/>
-            <a:ext cx="3240567" cy="1846659"/>
+            <a:off x="717199" y="2520359"/>
+            <a:ext cx="1276632" cy="369332"/>
           </a:xfrm>
           <a:prstGeom prst="rect">
             <a:avLst/>
@@ -3360,66 +3361,8 @@
           <a:p>
             <a:r>
               <a:rPr lang="en-US" dirty="0"/>
-              <a:t>Master Cancel</a:t>
-            </a:r>
-          </a:p>
-          <a:p>
-            <a:r>
-              <a:rPr lang="en-US" sz="1600" dirty="0">
-                <a:cs typeface="Calibri"/>
-              </a:rPr>
-              <a:t>1. </a:t>
-            </a:r>
-            <a:r>
-              <a:rPr lang="en-US" sz="1600" dirty="0" err="1">
-                <a:cs typeface="Calibri"/>
-              </a:rPr>
-              <a:t>Autostow</a:t>
-            </a:r>
-            <a:endParaRPr lang="en-US" sz="1600" dirty="0">
-              <a:cs typeface="Calibri"/>
-            </a:endParaRPr>
-          </a:p>
-          <a:p>
-            <a:r>
-              <a:rPr lang="en-US" sz="1600" dirty="0">
-                <a:cs typeface="Calibri"/>
-              </a:rPr>
-              <a:t>2. Clears errors: tilt interlock / </a:t>
-            </a:r>
-          </a:p>
-          <a:p>
-            <a:r>
-              <a:rPr lang="en-US" sz="1600" dirty="0">
-                <a:cs typeface="Calibri"/>
-              </a:rPr>
-              <a:t>encoder failure/ motor failure/ limit </a:t>
-            </a:r>
-          </a:p>
-          <a:p>
-            <a:r>
-              <a:rPr lang="en-US" sz="1600" dirty="0">
-                <a:cs typeface="Calibri"/>
-              </a:rPr>
-              <a:t>Switch check</a:t>
-            </a:r>
-          </a:p>
-          <a:p>
-            <a:r>
-              <a:rPr lang="en-US" sz="1600" dirty="0">
-                <a:cs typeface="Calibri"/>
-              </a:rPr>
-              <a:t>3. Toggles drive</a:t>
-            </a:r>
-          </a:p>
-          <a:p>
-            <a:r>
-              <a:rPr lang="en-US" sz="1600" dirty="0">
-                <a:cs typeface="Calibri"/>
-              </a:rPr>
-              <a:t>bias in climb</a:t>
-            </a:r>
-            <a:endParaRPr lang="en-US" dirty="0"/>
+              <a:t>Clear Errors</a:t>
+            </a:r>
           </a:p>
         </p:txBody>
       </p:sp>
@@ -3469,7 +3412,7 @@
         <p:spPr>
           <a:xfrm>
             <a:off x="9391193" y="1184565"/>
-            <a:ext cx="1062470" cy="369332"/>
+            <a:ext cx="2159245" cy="369332"/>
           </a:xfrm>
           <a:prstGeom prst="rect">
             <a:avLst/>
@@ -3484,7 +3427,7 @@
           <a:p>
             <a:r>
               <a:rPr lang="en-US" dirty="0"/>
-              <a:t>Autopilot</a:t>
+              <a:t>Feeder Station Mode</a:t>
             </a:r>
             <a:endParaRPr lang="en-US" dirty="0">
               <a:cs typeface="Calibri"/>
@@ -3500,8 +3443,8 @@
         </p:nvSpPr>
         <p:spPr>
           <a:xfrm>
-            <a:off x="6844938" y="-5922"/>
-            <a:ext cx="2403350" cy="369332"/>
+            <a:off x="6864494" y="216851"/>
+            <a:ext cx="3524876" cy="369332"/>
           </a:xfrm>
           <a:prstGeom prst="rect">
             <a:avLst/>
@@ -3516,7 +3459,7 @@
           <a:p>
             <a:r>
               <a:rPr lang="en-US" dirty="0"/>
-              <a:t>Right Bumper: Butterfly</a:t>
+              <a:t>Right Bumper: Toggle Intake Deploy</a:t>
             </a:r>
           </a:p>
         </p:txBody>
@@ -3529,8 +3472,8 @@
         </p:nvSpPr>
         <p:spPr>
           <a:xfrm>
-            <a:off x="6847162" y="275305"/>
-            <a:ext cx="5647480" cy="646331"/>
+            <a:off x="6864494" y="543110"/>
+            <a:ext cx="5647480" cy="369332"/>
           </a:xfrm>
           <a:prstGeom prst="rect">
             <a:avLst/>
@@ -3545,13 +3488,7 @@
           <a:p>
             <a:r>
               <a:rPr lang="en-US" dirty="0"/>
-              <a:t>Right Trigger: Toggles CARGO Intake</a:t>
-            </a:r>
-          </a:p>
-          <a:p>
-            <a:r>
-              <a:rPr lang="en-US" dirty="0"/>
-              <a:t>Right Trigger Climbing Mode: Climb (robot up)</a:t>
+              <a:t>Right Trigger: Auto-Targeting</a:t>
             </a:r>
             <a:endParaRPr lang="en-US" dirty="0">
               <a:cs typeface="Calibri"/>
@@ -3567,8 +3504,8 @@
         </p:nvSpPr>
         <p:spPr>
           <a:xfrm>
-            <a:off x="1647666" y="-3198"/>
-            <a:ext cx="2215415" cy="369332"/>
+            <a:off x="1871619" y="214272"/>
+            <a:ext cx="3326552" cy="646331"/>
           </a:xfrm>
           <a:prstGeom prst="rect">
             <a:avLst/>
@@ -3583,54 +3520,14 @@
           <a:p>
             <a:r>
               <a:rPr lang="en-US" dirty="0"/>
-              <a:t>Left Bumper: Traction</a:t>
-            </a:r>
-          </a:p>
-        </p:txBody>
-      </p:sp>
-      <p:sp>
-        <p:nvSpPr>
-          <p:cNvPr id="24" name="TextBox 23"/>
-          <p:cNvSpPr txBox="1"/>
-          <p:nvPr/>
-        </p:nvSpPr>
-        <p:spPr>
-          <a:xfrm>
-            <a:off x="1649891" y="265538"/>
-            <a:ext cx="4900765" cy="646331"/>
-          </a:xfrm>
-          <a:prstGeom prst="rect">
-            <a:avLst/>
-          </a:prstGeom>
-          <a:noFill/>
-        </p:spPr>
-        <p:txBody>
-          <a:bodyPr wrap="none" rtlCol="0" anchor="t">
-            <a:spAutoFit/>
-          </a:bodyPr>
-          <a:lstStyle/>
+              <a:t>Left Bumper: Defensive Pivot</a:t>
+            </a:r>
+          </a:p>
           <a:p>
             <a:r>
               <a:rPr lang="en-US" dirty="0"/>
-              <a:t>Hold Left Trigger: Release HATCH/CARGO</a:t>
-            </a:r>
-          </a:p>
-          <a:p>
-            <a:r>
-              <a:rPr lang="en-US" dirty="0"/>
-              <a:t>Left Trigger Climbing Mode: </a:t>
-            </a:r>
-            <a:r>
-              <a:rPr lang="en-US" dirty="0" err="1"/>
-              <a:t>Declimb</a:t>
-            </a:r>
-            <a:r>
-              <a:rPr lang="en-US" dirty="0"/>
-              <a:t> (robot down)</a:t>
-            </a:r>
-            <a:endParaRPr lang="en-US" dirty="0">
-              <a:cs typeface="Calibri"/>
-            </a:endParaRPr>
+              <a:t>Left Trigger: Fire Control Override</a:t>
+            </a:r>
           </a:p>
         </p:txBody>
       </p:sp>
@@ -3680,7 +3577,7 @@
         <p:spPr>
           <a:xfrm>
             <a:off x="9643672" y="2068840"/>
-            <a:ext cx="1073435" cy="369332"/>
+            <a:ext cx="2187265" cy="369332"/>
           </a:xfrm>
           <a:prstGeom prst="rect">
             <a:avLst/>
@@ -3695,7 +3592,7 @@
           <a:p>
             <a:r>
               <a:rPr lang="en-US" dirty="0"/>
-              <a:t>Low Gear</a:t>
+              <a:t>Enter Robot Oriented</a:t>
             </a:r>
           </a:p>
         </p:txBody>
@@ -3746,7 +3643,7 @@
         <p:spPr>
           <a:xfrm>
             <a:off x="9501896" y="2721359"/>
-            <a:ext cx="1117614" cy="369332"/>
+            <a:ext cx="2073388" cy="369332"/>
           </a:xfrm>
           <a:prstGeom prst="rect">
             <a:avLst/>
@@ -3761,7 +3658,7 @@
           <a:p>
             <a:r>
               <a:rPr lang="en-US" dirty="0"/>
-              <a:t>High Gear</a:t>
+              <a:t>Enter Field Oriented</a:t>
             </a:r>
           </a:p>
         </p:txBody>
@@ -3812,7 +3709,7 @@
         <p:spPr>
           <a:xfrm>
             <a:off x="9829800" y="3894858"/>
-            <a:ext cx="1958613" cy="646331"/>
+            <a:ext cx="1838965" cy="369332"/>
           </a:xfrm>
           <a:prstGeom prst="rect">
             <a:avLst/>
@@ -3827,13 +3724,7 @@
           <a:p>
             <a:r>
               <a:rPr lang="en-US" dirty="0"/>
-              <a:t>Turn Drive Base</a:t>
-            </a:r>
-          </a:p>
-          <a:p>
-            <a:r>
-              <a:rPr lang="en-US" dirty="0"/>
-              <a:t>Button: Super Turn</a:t>
+              <a:t>Rotate Drive Base</a:t>
             </a:r>
           </a:p>
         </p:txBody>
@@ -3846,8 +3737,8 @@
         </p:nvSpPr>
         <p:spPr>
           <a:xfrm>
-            <a:off x="113827" y="1301123"/>
-            <a:ext cx="3480505" cy="1200329"/>
+            <a:off x="-36421" y="1180478"/>
+            <a:ext cx="3879274" cy="923330"/>
           </a:xfrm>
           <a:prstGeom prst="rect">
             <a:avLst/>
@@ -3855,20 +3746,20 @@
           <a:noFill/>
         </p:spPr>
         <p:txBody>
-          <a:bodyPr wrap="none" rtlCol="0" anchor="t">
+          <a:bodyPr wrap="square" rtlCol="0" anchor="t">
             <a:spAutoFit/>
           </a:bodyPr>
           <a:lstStyle/>
           <a:p>
             <a:r>
               <a:rPr lang="en-US" dirty="0"/>
-              <a:t>Drive Base Foward/backward</a:t>
+              <a:t>Y axis(north/south): Strafe Front/Back</a:t>
             </a:r>
           </a:p>
           <a:p>
             <a:r>
               <a:rPr lang="en-US" dirty="0"/>
-              <a:t>Hold button: Goes to traction, exits</a:t>
+              <a:t>X axis(east/west): Strafe Port/Starboard</a:t>
             </a:r>
           </a:p>
           <a:p>
@@ -3876,15 +3767,7 @@
               <a:rPr lang="en-US" dirty="0">
                 <a:cs typeface="Calibri"/>
               </a:rPr>
-              <a:t>to previous state</a:t>
-            </a:r>
-          </a:p>
-          <a:p>
-            <a:r>
-              <a:rPr lang="en-US" dirty="0">
-                <a:cs typeface="Calibri"/>
-              </a:rPr>
-              <a:t>Press button: Brake</a:t>
+              <a:t>Press button: Emergency Boost</a:t>
             </a:r>
           </a:p>
         </p:txBody>
@@ -3958,87 +3841,6 @@
       </p:sp>
       <p:cxnSp>
         <p:nvCxnSpPr>
-          <p:cNvPr id="90" name="Straight Arrow Connector 89"/>
-          <p:cNvCxnSpPr/>
-          <p:nvPr/>
-        </p:nvCxnSpPr>
-        <p:spPr>
-          <a:xfrm flipV="1">
-            <a:off x="6313236" y="2384555"/>
-            <a:ext cx="348971" cy="2312136"/>
-          </a:xfrm>
-          <a:prstGeom prst="straightConnector1">
-            <a:avLst/>
-          </a:prstGeom>
-          <a:ln w="76200">
-            <a:solidFill>
-              <a:srgbClr val="FF0000"/>
-            </a:solidFill>
-            <a:headEnd type="none" w="med" len="med"/>
-            <a:tailEnd type="arrow" w="med" len="med"/>
-          </a:ln>
-        </p:spPr>
-        <p:style>
-          <a:lnRef idx="3">
-            <a:schemeClr val="accent5"/>
-          </a:lnRef>
-          <a:fillRef idx="0">
-            <a:schemeClr val="accent5"/>
-          </a:fillRef>
-          <a:effectRef idx="2">
-            <a:schemeClr val="accent5"/>
-          </a:effectRef>
-          <a:fontRef idx="minor">
-            <a:schemeClr val="tx1"/>
-          </a:fontRef>
-        </p:style>
-      </p:cxnSp>
-      <p:sp>
-        <p:nvSpPr>
-          <p:cNvPr id="93" name="Rectangle 92"/>
-          <p:cNvSpPr/>
-          <p:nvPr/>
-        </p:nvSpPr>
-        <p:spPr>
-          <a:xfrm>
-            <a:off x="5260184" y="4726303"/>
-            <a:ext cx="2008627" cy="861774"/>
-          </a:xfrm>
-          <a:prstGeom prst="rect">
-            <a:avLst/>
-          </a:prstGeom>
-        </p:spPr>
-        <p:txBody>
-          <a:bodyPr wrap="none" anchor="t">
-            <a:spAutoFit/>
-          </a:bodyPr>
-          <a:lstStyle/>
-          <a:p>
-            <a:r>
-              <a:rPr lang="en-US" dirty="0"/>
-              <a:t>Climb Confirmation</a:t>
-            </a:r>
-          </a:p>
-          <a:p>
-            <a:r>
-              <a:rPr lang="en-US" sz="1600" dirty="0">
-                <a:cs typeface="Calibri"/>
-              </a:rPr>
-              <a:t>1. On the HAB</a:t>
-            </a:r>
-          </a:p>
-          <a:p>
-            <a:r>
-              <a:rPr lang="en-US" sz="1600" dirty="0">
-                <a:cs typeface="Calibri"/>
-              </a:rPr>
-              <a:t>2. Retract PTOs</a:t>
-            </a:r>
-          </a:p>
-        </p:txBody>
-      </p:sp>
-      <p:cxnSp>
-        <p:nvCxnSpPr>
           <p:cNvPr id="98" name="Elbow Connector 97"/>
           <p:cNvCxnSpPr/>
           <p:nvPr/>
@@ -4077,13 +3879,13 @@
       </p:cxnSp>
       <p:sp>
         <p:nvSpPr>
-          <p:cNvPr id="106" name="Oval 105"/>
+          <p:cNvPr id="107" name="Oval 106"/>
           <p:cNvSpPr/>
           <p:nvPr/>
         </p:nvSpPr>
         <p:spPr>
           <a:xfrm>
-            <a:off x="5105760" y="2898947"/>
+            <a:off x="5105760" y="3588766"/>
             <a:ext cx="294270" cy="266161"/>
           </a:xfrm>
           <a:prstGeom prst="ellipse">
@@ -4123,64 +3925,19 @@
           </a:p>
         </p:txBody>
       </p:sp>
-      <p:sp>
-        <p:nvSpPr>
-          <p:cNvPr id="107" name="Oval 106"/>
-          <p:cNvSpPr/>
-          <p:nvPr/>
-        </p:nvSpPr>
-        <p:spPr>
-          <a:xfrm>
-            <a:off x="5105760" y="3588766"/>
-            <a:ext cx="294270" cy="266161"/>
-          </a:xfrm>
-          <a:prstGeom prst="ellipse">
-            <a:avLst/>
-          </a:prstGeom>
-          <a:solidFill>
-            <a:srgbClr val="FF0000"/>
-          </a:solidFill>
-          <a:ln>
-            <a:solidFill>
-              <a:srgbClr val="FF0000"/>
-            </a:solidFill>
-          </a:ln>
-        </p:spPr>
-        <p:style>
-          <a:lnRef idx="2">
-            <a:schemeClr val="accent1">
-              <a:shade val="50000"/>
-            </a:schemeClr>
-          </a:lnRef>
-          <a:fillRef idx="1">
-            <a:schemeClr val="accent1"/>
-          </a:fillRef>
-          <a:effectRef idx="0">
-            <a:schemeClr val="accent1"/>
-          </a:effectRef>
-          <a:fontRef idx="minor">
-            <a:schemeClr val="lt1"/>
-          </a:fontRef>
-        </p:style>
-        <p:txBody>
-          <a:bodyPr rtlCol="0" anchor="ctr"/>
-          <a:lstStyle/>
-          <a:p>
-            <a:pPr algn="ctr"/>
-            <a:endParaRPr lang="en-US"/>
-          </a:p>
-        </p:txBody>
-      </p:sp>
       <p:cxnSp>
         <p:nvCxnSpPr>
           <p:cNvPr id="108" name="Straight Arrow Connector 107"/>
-          <p:cNvCxnSpPr/>
+          <p:cNvCxnSpPr>
+            <a:cxnSpLocks/>
+            <a:stCxn id="34" idx="3"/>
+          </p:cNvCxnSpPr>
           <p:nvPr/>
         </p:nvCxnSpPr>
         <p:spPr>
           <a:xfrm flipV="1">
-            <a:off x="2543085" y="3379810"/>
-            <a:ext cx="2025232" cy="1340330"/>
+            <a:off x="2210765" y="3813364"/>
+            <a:ext cx="2883231" cy="46876"/>
           </a:xfrm>
           <a:prstGeom prst="straightConnector1">
             <a:avLst/>
@@ -4217,7 +3974,7 @@
         <p:spPr>
           <a:xfrm>
             <a:off x="744854" y="4437509"/>
-            <a:ext cx="1717843" cy="646331"/>
+            <a:ext cx="184731" cy="369332"/>
           </a:xfrm>
           <a:prstGeom prst="rect">
             <a:avLst/>
@@ -4229,18 +3986,9 @@
           </a:bodyPr>
           <a:lstStyle/>
           <a:p>
-            <a:r>
-              <a:rPr lang="en-US" dirty="0"/>
-              <a:t>Manual Elevator</a:t>
-            </a:r>
-          </a:p>
-          <a:p>
-            <a:r>
-              <a:rPr lang="en-US" dirty="0">
-                <a:cs typeface="Calibri"/>
-              </a:rPr>
-              <a:t>(not in climb)</a:t>
-            </a:r>
+            <a:endParaRPr lang="en-US" dirty="0">
+              <a:cs typeface="Calibri"/>
+            </a:endParaRPr>
           </a:p>
         </p:txBody>
       </p:sp>
@@ -4281,65 +4029,6 @@
       </p:sp>
       <p:sp>
         <p:nvSpPr>
-          <p:cNvPr id="29" name="TextBox 28">
-            <a:extLst>
-              <a:ext uri="{FF2B5EF4-FFF2-40B4-BE49-F238E27FC236}">
-                <a16:creationId xmlns:a16="http://schemas.microsoft.com/office/drawing/2014/main" id="{77C3F97A-7C71-4BE1-8852-302FECD6B92C}"/>
-              </a:ext>
-            </a:extLst>
-          </p:cNvPr>
-          <p:cNvSpPr txBox="1"/>
-          <p:nvPr/>
-        </p:nvSpPr>
-        <p:spPr>
-          <a:xfrm>
-            <a:off x="9750256" y="5592724"/>
-            <a:ext cx="2239396" cy="1138773"/>
-          </a:xfrm>
-          <a:prstGeom prst="rect">
-            <a:avLst/>
-          </a:prstGeom>
-          <a:noFill/>
-        </p:spPr>
-        <p:txBody>
-          <a:bodyPr wrap="none" rtlCol="0" anchor="t">
-            <a:spAutoFit/>
-          </a:bodyPr>
-          <a:lstStyle/>
-          <a:p>
-            <a:r>
-              <a:rPr lang="en-US" dirty="0"/>
-              <a:t>Right Rumbles:</a:t>
-            </a:r>
-            <a:endParaRPr lang="en-US" dirty="0">
-              <a:cs typeface="Calibri"/>
-            </a:endParaRPr>
-          </a:p>
-          <a:p>
-            <a:r>
-              <a:rPr lang="en-US" sz="1600" dirty="0">
-                <a:cs typeface="Calibri"/>
-              </a:rPr>
-              <a:t>1. Have a HATCH/CARGO</a:t>
-            </a:r>
-          </a:p>
-          <a:p>
-            <a:r>
-              <a:rPr lang="en-US" sz="1600" dirty="0">
-                <a:cs typeface="Calibri"/>
-              </a:rPr>
-              <a:t>2. On the HAB</a:t>
-            </a:r>
-          </a:p>
-          <a:p>
-            <a:endParaRPr lang="en-US" dirty="0">
-              <a:cs typeface="Calibri"/>
-            </a:endParaRPr>
-          </a:p>
-        </p:txBody>
-      </p:sp>
-      <p:sp>
-        <p:nvSpPr>
           <p:cNvPr id="30" name="TextBox 29">
             <a:extLst>
               <a:ext uri="{FF2B5EF4-FFF2-40B4-BE49-F238E27FC236}">
@@ -4353,7 +4042,7 @@
         <p:spPr>
           <a:xfrm>
             <a:off x="536983" y="5592724"/>
-            <a:ext cx="2392643" cy="1138773"/>
+            <a:ext cx="2496902" cy="369332"/>
           </a:xfrm>
           <a:prstGeom prst="rect">
             <a:avLst/>
@@ -4368,32 +4057,15 @@
           <a:p>
             <a:r>
               <a:rPr lang="en-US" dirty="0"/>
-              <a:t>Left Rumbles:</a:t>
-            </a:r>
-            <a:endParaRPr lang="en-US" dirty="0">
-              <a:cs typeface="Calibri"/>
-            </a:endParaRPr>
-          </a:p>
-          <a:p>
-            <a:r>
-              <a:rPr lang="en-US" sz="1600" dirty="0">
+              <a:t>Rumbles:</a:t>
+            </a:r>
+            <a:r>
+              <a:rPr lang="en-US" dirty="0">
                 <a:cs typeface="Calibri"/>
               </a:rPr>
-              <a:t>1. Target lock</a:t>
-            </a:r>
-          </a:p>
-          <a:p>
-            <a:r>
-              <a:rPr lang="en-US" sz="1600" dirty="0">
-                <a:cs typeface="Calibri"/>
-              </a:rPr>
-              <a:t>2. Change in elevator state</a:t>
-            </a:r>
-          </a:p>
-          <a:p>
-            <a:endParaRPr lang="en-US" dirty="0">
-              <a:cs typeface="Calibri"/>
-            </a:endParaRPr>
+              <a:t> Auto-Targeting</a:t>
+            </a:r>
+            <a:endParaRPr lang="en-US" dirty="0"/>
           </a:p>
         </p:txBody>
       </p:sp>
@@ -4473,6 +4145,41 @@
             <a:r>
               <a:rPr lang="en-US" dirty="0"/>
               <a:t>Signal Human Player</a:t>
+            </a:r>
+          </a:p>
+        </p:txBody>
+      </p:sp>
+      <p:sp>
+        <p:nvSpPr>
+          <p:cNvPr id="34" name="TextBox 33">
+            <a:extLst>
+              <a:ext uri="{FF2B5EF4-FFF2-40B4-BE49-F238E27FC236}">
+                <a16:creationId xmlns:a16="http://schemas.microsoft.com/office/drawing/2014/main" id="{DF3F3B34-444F-4FDB-B371-D91369AD6266}"/>
+              </a:ext>
+            </a:extLst>
+          </p:cNvPr>
+          <p:cNvSpPr txBox="1"/>
+          <p:nvPr/>
+        </p:nvSpPr>
+        <p:spPr>
+          <a:xfrm>
+            <a:off x="1053525" y="3675574"/>
+            <a:ext cx="1157240" cy="369332"/>
+          </a:xfrm>
+          <a:prstGeom prst="rect">
+            <a:avLst/>
+          </a:prstGeom>
+          <a:noFill/>
+        </p:spPr>
+        <p:txBody>
+          <a:bodyPr wrap="none" rtlCol="0" anchor="t">
+            <a:spAutoFit/>
+          </a:bodyPr>
+          <a:lstStyle/>
+          <a:p>
+            <a:r>
+              <a:rPr lang="en-US" dirty="0"/>
+              <a:t>Reset IMU</a:t>
             </a:r>
           </a:p>
         </p:txBody>
@@ -4509,10 +4216,10 @@
       </p:grpSpPr>
       <p:pic>
         <p:nvPicPr>
-          <p:cNvPr id="2" name="Picture 2">
+          <p:cNvPr id="3" name="Picture 2" descr="A screenshot of a video game&#10;&#10;Description automatically generated">
             <a:extLst>
               <a:ext uri="{FF2B5EF4-FFF2-40B4-BE49-F238E27FC236}">
-                <a16:creationId xmlns:a16="http://schemas.microsoft.com/office/drawing/2014/main" id="{88C2A768-F1CB-4C74-8D33-29AE3ECF0CF5}"/>
+                <a16:creationId xmlns:a16="http://schemas.microsoft.com/office/drawing/2014/main" id="{8D5764BC-AF6C-49E2-8835-08624929890B}"/>
               </a:ext>
             </a:extLst>
           </p:cNvPr>
@@ -4522,15 +4229,21 @@
           <p:nvPr/>
         </p:nvPicPr>
         <p:blipFill>
-          <a:blip r:embed="rId2"/>
+          <a:blip r:embed="rId2">
+            <a:extLst>
+              <a:ext uri="{28A0092B-C50C-407E-A947-70E740481C1C}">
+                <a14:useLocalDpi xmlns:a14="http://schemas.microsoft.com/office/drawing/2010/main" val="0"/>
+              </a:ext>
+            </a:extLst>
+          </a:blip>
           <a:stretch>
             <a:fillRect/>
           </a:stretch>
         </p:blipFill>
         <p:spPr>
           <a:xfrm>
-            <a:off x="-3826" y="1112942"/>
-            <a:ext cx="12199651" cy="4532181"/>
+            <a:off x="82241" y="1196860"/>
+            <a:ext cx="12027518" cy="4464279"/>
           </a:xfrm>
           <a:prstGeom prst="rect">
             <a:avLst/>
@@ -4540,7 +4253,7 @@
     </p:spTree>
     <p:extLst>
       <p:ext uri="{BB962C8B-B14F-4D97-AF65-F5344CB8AC3E}">
-        <p14:creationId xmlns:p14="http://schemas.microsoft.com/office/powerpoint/2010/main" val="1695666501"/>
+        <p14:creationId xmlns:p14="http://schemas.microsoft.com/office/powerpoint/2010/main" val="1752254028"/>
       </p:ext>
     </p:extLst>
   </p:cSld>
@@ -4569,10 +4282,10 @@
       </p:grpSpPr>
       <p:pic>
         <p:nvPicPr>
-          <p:cNvPr id="2" name="Picture 2">
+          <p:cNvPr id="3" name="Picture 2" descr="A screenshot of a computer&#10;&#10;Description automatically generated">
             <a:extLst>
               <a:ext uri="{FF2B5EF4-FFF2-40B4-BE49-F238E27FC236}">
-                <a16:creationId xmlns:a16="http://schemas.microsoft.com/office/drawing/2014/main" id="{20E67F67-803B-44E7-AEF2-41647796679B}"/>
+                <a16:creationId xmlns:a16="http://schemas.microsoft.com/office/drawing/2014/main" id="{4487C07C-DF4D-4AB0-92A4-C134F9D98C29}"/>
               </a:ext>
             </a:extLst>
           </p:cNvPr>
@@ -4582,15 +4295,21 @@
           <p:nvPr/>
         </p:nvPicPr>
         <p:blipFill>
-          <a:blip r:embed="rId2"/>
+          <a:blip r:embed="rId2">
+            <a:extLst>
+              <a:ext uri="{28A0092B-C50C-407E-A947-70E740481C1C}">
+                <a14:useLocalDpi xmlns:a14="http://schemas.microsoft.com/office/drawing/2010/main" val="0"/>
+              </a:ext>
+            </a:extLst>
+          </a:blip>
           <a:stretch>
             <a:fillRect/>
           </a:stretch>
         </p:blipFill>
         <p:spPr>
           <a:xfrm>
-            <a:off x="2733" y="1133164"/>
-            <a:ext cx="12186533" cy="4604165"/>
+            <a:off x="110817" y="1263538"/>
+            <a:ext cx="11970365" cy="4330923"/>
           </a:xfrm>
           <a:prstGeom prst="rect">
             <a:avLst/>
@@ -4600,7 +4319,73 @@
     </p:spTree>
     <p:extLst>
       <p:ext uri="{BB962C8B-B14F-4D97-AF65-F5344CB8AC3E}">
-        <p14:creationId xmlns:p14="http://schemas.microsoft.com/office/powerpoint/2010/main" val="2279462702"/>
+        <p14:creationId xmlns:p14="http://schemas.microsoft.com/office/powerpoint/2010/main" val="2837482551"/>
+      </p:ext>
+    </p:extLst>
+  </p:cSld>
+  <p:clrMapOvr>
+    <a:masterClrMapping/>
+  </p:clrMapOvr>
+</p:sld>
+</file>
+
+<file path=ppt/slides/slide4.xml><?xml version="1.0" encoding="utf-8"?>
+<p:sld xmlns:a="http://schemas.openxmlformats.org/drawingml/2006/main" xmlns:r="http://schemas.openxmlformats.org/officeDocument/2006/relationships" xmlns:p="http://schemas.openxmlformats.org/presentationml/2006/main">
+  <p:cSld>
+    <p:spTree>
+      <p:nvGrpSpPr>
+        <p:cNvPr id="1" name=""/>
+        <p:cNvGrpSpPr/>
+        <p:nvPr/>
+      </p:nvGrpSpPr>
+      <p:grpSpPr>
+        <a:xfrm>
+          <a:off x="0" y="0"/>
+          <a:ext cx="0" cy="0"/>
+          <a:chOff x="0" y="0"/>
+          <a:chExt cx="0" cy="0"/>
+        </a:xfrm>
+      </p:grpSpPr>
+      <p:pic>
+        <p:nvPicPr>
+          <p:cNvPr id="3" name="Picture 2" descr="A screenshot of a video game&#10;&#10;Description automatically generated">
+            <a:extLst>
+              <a:ext uri="{FF2B5EF4-FFF2-40B4-BE49-F238E27FC236}">
+                <a16:creationId xmlns:a16="http://schemas.microsoft.com/office/drawing/2014/main" id="{A753D323-FE31-4118-B5C7-BE1A272EEF84}"/>
+              </a:ext>
+            </a:extLst>
+          </p:cNvPr>
+          <p:cNvPicPr>
+            <a:picLocks noChangeAspect="1"/>
+          </p:cNvPicPr>
+          <p:nvPr/>
+        </p:nvPicPr>
+        <p:blipFill>
+          <a:blip r:embed="rId2">
+            <a:extLst>
+              <a:ext uri="{28A0092B-C50C-407E-A947-70E740481C1C}">
+                <a14:useLocalDpi xmlns:a14="http://schemas.microsoft.com/office/drawing/2010/main" val="0"/>
+              </a:ext>
+            </a:extLst>
+          </a:blip>
+          <a:stretch>
+            <a:fillRect/>
+          </a:stretch>
+        </p:blipFill>
+        <p:spPr>
+          <a:xfrm>
+            <a:off x="91766" y="1209561"/>
+            <a:ext cx="12008467" cy="4438878"/>
+          </a:xfrm>
+          <a:prstGeom prst="rect">
+            <a:avLst/>
+          </a:prstGeom>
+        </p:spPr>
+      </p:pic>
+    </p:spTree>
+    <p:extLst>
+      <p:ext uri="{BB962C8B-B14F-4D97-AF65-F5344CB8AC3E}">
+        <p14:creationId xmlns:p14="http://schemas.microsoft.com/office/powerpoint/2010/main" val="97543697"/>
       </p:ext>
     </p:extLst>
   </p:cSld>
